--- a/20150319_ppt.pptx
+++ b/20150319_ppt.pptx
@@ -578,7 +578,7 @@
           <a:p>
             <a:fld id="{2615399F-89DF-43E3-B9A8-CBA4DE6CD280}" type="datetimeFigureOut">
               <a:rPr lang="pt-BR" smtClean="0"/>
-              <a:t>17/03/2015</a:t>
+              <a:t>19/03/2015</a:t>
             </a:fld>
             <a:endParaRPr lang="pt-BR"/>
           </a:p>
@@ -743,7 +743,7 @@
           <a:p>
             <a:fld id="{2615399F-89DF-43E3-B9A8-CBA4DE6CD280}" type="datetimeFigureOut">
               <a:rPr lang="pt-BR" smtClean="0"/>
-              <a:t>17/03/2015</a:t>
+              <a:t>19/03/2015</a:t>
             </a:fld>
             <a:endParaRPr lang="pt-BR"/>
           </a:p>
@@ -918,7 +918,7 @@
           <a:p>
             <a:fld id="{2615399F-89DF-43E3-B9A8-CBA4DE6CD280}" type="datetimeFigureOut">
               <a:rPr lang="pt-BR" smtClean="0"/>
-              <a:t>17/03/2015</a:t>
+              <a:t>19/03/2015</a:t>
             </a:fld>
             <a:endParaRPr lang="pt-BR"/>
           </a:p>
@@ -1083,7 +1083,7 @@
           <a:p>
             <a:fld id="{2615399F-89DF-43E3-B9A8-CBA4DE6CD280}" type="datetimeFigureOut">
               <a:rPr lang="pt-BR" smtClean="0"/>
-              <a:t>17/03/2015</a:t>
+              <a:t>19/03/2015</a:t>
             </a:fld>
             <a:endParaRPr lang="pt-BR"/>
           </a:p>
@@ -1636,7 +1636,7 @@
           <a:p>
             <a:fld id="{2615399F-89DF-43E3-B9A8-CBA4DE6CD280}" type="datetimeFigureOut">
               <a:rPr lang="pt-BR" smtClean="0"/>
-              <a:t>17/03/2015</a:t>
+              <a:t>19/03/2015</a:t>
             </a:fld>
             <a:endParaRPr lang="pt-BR"/>
           </a:p>
@@ -1896,7 +1896,7 @@
           <a:p>
             <a:fld id="{2615399F-89DF-43E3-B9A8-CBA4DE6CD280}" type="datetimeFigureOut">
               <a:rPr lang="pt-BR" smtClean="0"/>
-              <a:t>17/03/2015</a:t>
+              <a:t>19/03/2015</a:t>
             </a:fld>
             <a:endParaRPr lang="pt-BR"/>
           </a:p>
@@ -2384,7 +2384,7 @@
           <a:p>
             <a:fld id="{2615399F-89DF-43E3-B9A8-CBA4DE6CD280}" type="datetimeFigureOut">
               <a:rPr lang="pt-BR" smtClean="0"/>
-              <a:t>17/03/2015</a:t>
+              <a:t>19/03/2015</a:t>
             </a:fld>
             <a:endParaRPr lang="pt-BR"/>
           </a:p>
@@ -2497,7 +2497,7 @@
           <a:p>
             <a:fld id="{2615399F-89DF-43E3-B9A8-CBA4DE6CD280}" type="datetimeFigureOut">
               <a:rPr lang="pt-BR" smtClean="0"/>
-              <a:t>17/03/2015</a:t>
+              <a:t>19/03/2015</a:t>
             </a:fld>
             <a:endParaRPr lang="pt-BR"/>
           </a:p>
@@ -2587,7 +2587,7 @@
           <a:p>
             <a:fld id="{2615399F-89DF-43E3-B9A8-CBA4DE6CD280}" type="datetimeFigureOut">
               <a:rPr lang="pt-BR" smtClean="0"/>
-              <a:t>17/03/2015</a:t>
+              <a:t>19/03/2015</a:t>
             </a:fld>
             <a:endParaRPr lang="pt-BR"/>
           </a:p>
@@ -3017,7 +3017,7 @@
           <a:p>
             <a:fld id="{2615399F-89DF-43E3-B9A8-CBA4DE6CD280}" type="datetimeFigureOut">
               <a:rPr lang="pt-BR" smtClean="0"/>
-              <a:t>17/03/2015</a:t>
+              <a:t>19/03/2015</a:t>
             </a:fld>
             <a:endParaRPr lang="pt-BR"/>
           </a:p>
@@ -3550,7 +3550,7 @@
           <a:p>
             <a:fld id="{2615399F-89DF-43E3-B9A8-CBA4DE6CD280}" type="datetimeFigureOut">
               <a:rPr lang="pt-BR" smtClean="0"/>
-              <a:t>17/03/2015</a:t>
+              <a:t>19/03/2015</a:t>
             </a:fld>
             <a:endParaRPr lang="pt-BR"/>
           </a:p>
@@ -4390,7 +4390,7 @@
           <a:p>
             <a:fld id="{2615399F-89DF-43E3-B9A8-CBA4DE6CD280}" type="datetimeFigureOut">
               <a:rPr lang="pt-BR" smtClean="0"/>
-              <a:t>17/03/2015</a:t>
+              <a:t>19/03/2015</a:t>
             </a:fld>
             <a:endParaRPr lang="pt-BR"/>
           </a:p>
@@ -6532,48 +6532,9 @@
           </a:stretch>
         </p:blipFill>
         <p:spPr bwMode="auto">
-          <a:xfrm rot="20678467">
-            <a:off x="210842" y="197561"/>
+          <a:xfrm>
+            <a:off x="5164731" y="3647961"/>
             <a:ext cx="3094484" cy="2287491"/>
-          </a:xfrm>
-          <a:prstGeom prst="rect">
-            <a:avLst/>
-          </a:prstGeom>
-          <a:noFill/>
-          <a:extLst>
-            <a:ext uri="{909E8E84-426E-40DD-AFC4-6F175D3DCCD1}">
-              <a14:hiddenFill xmlns:a14="http://schemas.microsoft.com/office/drawing/2010/main">
-                <a:solidFill>
-                  <a:srgbClr val="FFFFFF"/>
-                </a:solidFill>
-              </a14:hiddenFill>
-            </a:ext>
-          </a:extLst>
-        </p:spPr>
-      </p:pic>
-      <p:pic>
-        <p:nvPicPr>
-          <p:cNvPr id="2057" name="Picture 9" descr="C:\Users\lsa2\AppData\Local\Microsoft\Windows\Temporary Internet Files\Content.IE5\QMTQTJZ2\ideia-de-bichano[1].jpg"/>
-          <p:cNvPicPr>
-            <a:picLocks noChangeAspect="1" noChangeArrowheads="1"/>
-          </p:cNvPicPr>
-          <p:nvPr/>
-        </p:nvPicPr>
-        <p:blipFill rotWithShape="1">
-          <a:blip r:embed="rId3" cstate="print">
-            <a:extLst>
-              <a:ext uri="{28A0092B-C50C-407E-A947-70E740481C1C}">
-                <a14:useLocalDpi xmlns:a14="http://schemas.microsoft.com/office/drawing/2010/main" val="0"/>
-              </a:ext>
-            </a:extLst>
-          </a:blip>
-          <a:srcRect l="47484" t="1010" r="246" b="20685"/>
-          <a:stretch/>
-        </p:blipFill>
-        <p:spPr bwMode="auto">
-          <a:xfrm rot="394097">
-            <a:off x="4800073" y="789330"/>
-            <a:ext cx="4175299" cy="4792863"/>
           </a:xfrm>
           <a:prstGeom prst="roundRect">
             <a:avLst>
@@ -6602,47 +6563,6 @@
           </a:extLst>
         </p:spPr>
       </p:pic>
-      <p:pic>
-        <p:nvPicPr>
-          <p:cNvPr id="2055" name="Picture 7" descr="C:\Users\lsa2\AppData\Local\Microsoft\Windows\Temporary Internet Files\Content.IE5\3P2EK35B\ideia[1].png"/>
-          <p:cNvPicPr>
-            <a:picLocks noChangeAspect="1" noChangeArrowheads="1"/>
-          </p:cNvPicPr>
-          <p:nvPr/>
-        </p:nvPicPr>
-        <p:blipFill>
-          <a:blip r:embed="rId4">
-            <a:extLst>
-              <a:ext uri="{28A0092B-C50C-407E-A947-70E740481C1C}">
-                <a14:useLocalDpi xmlns:a14="http://schemas.microsoft.com/office/drawing/2010/main" val="0"/>
-              </a:ext>
-            </a:extLst>
-          </a:blip>
-          <a:srcRect/>
-          <a:stretch>
-            <a:fillRect/>
-          </a:stretch>
-        </p:blipFill>
-        <p:spPr bwMode="auto">
-          <a:xfrm rot="2053109">
-            <a:off x="6228794" y="644290"/>
-            <a:ext cx="2531109" cy="2531109"/>
-          </a:xfrm>
-          <a:prstGeom prst="rect">
-            <a:avLst/>
-          </a:prstGeom>
-          <a:noFill/>
-          <a:extLst>
-            <a:ext uri="{909E8E84-426E-40DD-AFC4-6F175D3DCCD1}">
-              <a14:hiddenFill xmlns:a14="http://schemas.microsoft.com/office/drawing/2010/main">
-                <a:solidFill>
-                  <a:srgbClr val="FFFFFF"/>
-                </a:solidFill>
-              </a14:hiddenFill>
-            </a:ext>
-          </a:extLst>
-        </p:spPr>
-      </p:pic>
       <p:sp>
         <p:nvSpPr>
           <p:cNvPr id="2" name="Título 1"/>
@@ -6675,7 +6595,7 @@
           <p:nvPr/>
         </p:nvPicPr>
         <p:blipFill>
-          <a:blip r:embed="rId5" cstate="print">
+          <a:blip r:embed="rId3" cstate="print">
             <a:extLst>
               <a:ext uri="{28A0092B-C50C-407E-A947-70E740481C1C}">
                 <a14:useLocalDpi xmlns:a14="http://schemas.microsoft.com/office/drawing/2010/main" val="0"/>

--- a/20150319_ppt.pptx
+++ b/20150319_ppt.pptx
@@ -5966,8 +5966,8 @@
         </p:nvSpPr>
         <p:spPr>
           <a:xfrm>
-            <a:off x="133792" y="2167696"/>
-            <a:ext cx="8902704" cy="1138773"/>
+            <a:off x="1475656" y="2167696"/>
+            <a:ext cx="7560840" cy="1169551"/>
           </a:xfrm>
           <a:prstGeom prst="rect">
             <a:avLst/>
@@ -5979,12 +5979,36 @@
           </a:bodyPr>
           <a:lstStyle/>
           <a:p>
-            <a:pPr algn="r"/>
-            <a:r>
-              <a:rPr lang="pt-BR" sz="1700" dirty="0" smtClean="0"/>
-              <a:t>A primeira linguagem de programação funcional foi criada em 1955 (IPL) e a mais popular foi criada em 1958 (LISP). Mesmo tendo sido superadas pelas linguagens imperativas, as linguagens funcionais continuaram recebendo investimentos até os anos 90, quando as linguagens imperativas se juntaram com as linguagens orientadas à objeto.</a:t>
-            </a:r>
-            <a:endParaRPr lang="pt-BR" sz="1700" dirty="0"/>
+            <a:pPr algn="just"/>
+            <a:r>
+              <a:rPr lang="pt-BR" sz="1400" dirty="0" smtClean="0"/>
+              <a:t>A primeira linguagem de programação funcional foi criada em 1955 (IPL) e a mais popular foi criada em 1958 (LISP</a:t>
+            </a:r>
+            <a:r>
+              <a:rPr lang="pt-BR" sz="1400" dirty="0" smtClean="0"/>
+              <a:t>) (esta apenas com partes funcional). </a:t>
+            </a:r>
+            <a:r>
+              <a:rPr lang="pt-BR" sz="1400" dirty="0" smtClean="0"/>
+              <a:t>Mesmo tendo sido superadas pelas linguagens imperativas, as linguagens funcionais continuaram recebendo investimentos até os anos 90, quando as linguagens imperativas se juntaram com as linguagens orientadas à objeto</a:t>
+            </a:r>
+            <a:r>
+              <a:rPr lang="pt-BR" sz="1400" dirty="0" smtClean="0"/>
+              <a:t>. </a:t>
+            </a:r>
+            <a:r>
+              <a:rPr lang="pt-BR" sz="1400" dirty="0" smtClean="0"/>
+              <a:t>Outro exemplo importante de linguagem funcional é </a:t>
+            </a:r>
+            <a:r>
+              <a:rPr lang="pt-BR" sz="1400" dirty="0" err="1" smtClean="0"/>
+              <a:t>Haskell</a:t>
+            </a:r>
+            <a:r>
+              <a:rPr lang="pt-BR" sz="1400" dirty="0"/>
+              <a:t>.</a:t>
+            </a:r>
+            <a:endParaRPr lang="pt-BR" sz="1400" dirty="0"/>
           </a:p>
         </p:txBody>
       </p:sp>
@@ -6552,15 +6576,7 @@
           <a:effectLst>
             <a:reflection blurRad="12700" stA="38000" endPos="28000" dist="5000" dir="5400000" sy="-100000" algn="bl" rotWithShape="0"/>
           </a:effectLst>
-          <a:extLst>
-            <a:ext uri="{909E8E84-426E-40DD-AFC4-6F175D3DCCD1}">
-              <a14:hiddenFill xmlns:a14="http://schemas.microsoft.com/office/drawing/2010/main">
-                <a:solidFill>
-                  <a:srgbClr val="FFFFFF"/>
-                </a:solidFill>
-              </a14:hiddenFill>
-            </a:ext>
-          </a:extLst>
+          <a:extLst/>
         </p:spPr>
       </p:pic>
       <p:sp>

--- a/20150319_ppt.pptx
+++ b/20150319_ppt.pptx
@@ -5647,6 +5647,154 @@
           </a:p>
         </p:txBody>
       </p:sp>
+      <p:sp>
+        <p:nvSpPr>
+          <p:cNvPr id="2" name="CaixaDeTexto 1"/>
+          <p:cNvSpPr txBox="1"/>
+          <p:nvPr/>
+        </p:nvSpPr>
+        <p:spPr>
+          <a:xfrm>
+            <a:off x="5364088" y="3429000"/>
+            <a:ext cx="3960440" cy="369332"/>
+          </a:xfrm>
+          <a:prstGeom prst="rect">
+            <a:avLst/>
+          </a:prstGeom>
+          <a:noFill/>
+        </p:spPr>
+        <p:txBody>
+          <a:bodyPr wrap="square" rtlCol="0">
+            <a:spAutoFit/>
+          </a:bodyPr>
+          <a:lstStyle/>
+          <a:p>
+            <a:r>
+              <a:rPr lang="pt-BR" b="1" dirty="0" smtClean="0"/>
+              <a:t>&gt;&gt;Transparência Referencial</a:t>
+            </a:r>
+            <a:endParaRPr lang="pt-BR" b="1" dirty="0"/>
+          </a:p>
+        </p:txBody>
+      </p:sp>
+      <p:sp>
+        <p:nvSpPr>
+          <p:cNvPr id="4" name="CaixaDeTexto 3"/>
+          <p:cNvSpPr txBox="1"/>
+          <p:nvPr/>
+        </p:nvSpPr>
+        <p:spPr>
+          <a:xfrm>
+            <a:off x="4672277" y="4427820"/>
+            <a:ext cx="3888432" cy="369332"/>
+          </a:xfrm>
+          <a:prstGeom prst="rect">
+            <a:avLst/>
+          </a:prstGeom>
+          <a:noFill/>
+        </p:spPr>
+        <p:txBody>
+          <a:bodyPr wrap="square" rtlCol="0">
+            <a:spAutoFit/>
+          </a:bodyPr>
+          <a:lstStyle/>
+          <a:p>
+            <a:r>
+              <a:rPr lang="pt-BR" dirty="0" smtClean="0"/>
+              <a:t>Tratam funções como sub-rotinas</a:t>
+            </a:r>
+            <a:endParaRPr lang="pt-BR" dirty="0"/>
+          </a:p>
+        </p:txBody>
+      </p:sp>
+      <p:cxnSp>
+        <p:nvCxnSpPr>
+          <p:cNvPr id="6" name="Conector angulado 5"/>
+          <p:cNvCxnSpPr>
+            <a:endCxn id="4" idx="1"/>
+          </p:cNvCxnSpPr>
+          <p:nvPr/>
+        </p:nvCxnSpPr>
+        <p:spPr>
+          <a:xfrm flipV="1">
+            <a:off x="4078386" y="4612486"/>
+            <a:ext cx="593891" cy="8066"/>
+          </a:xfrm>
+          <a:prstGeom prst="bentConnector3">
+            <a:avLst/>
+          </a:prstGeom>
+          <a:ln w="38100">
+            <a:solidFill>
+              <a:schemeClr val="tx1"/>
+            </a:solidFill>
+            <a:tailEnd type="arrow"/>
+          </a:ln>
+        </p:spPr>
+        <p:style>
+          <a:lnRef idx="1">
+            <a:schemeClr val="accent1"/>
+          </a:lnRef>
+          <a:fillRef idx="0">
+            <a:schemeClr val="accent1"/>
+          </a:fillRef>
+          <a:effectRef idx="0">
+            <a:schemeClr val="accent1"/>
+          </a:effectRef>
+          <a:fontRef idx="minor">
+            <a:schemeClr val="tx1"/>
+          </a:fontRef>
+        </p:style>
+      </p:cxnSp>
+      <p:sp>
+        <p:nvSpPr>
+          <p:cNvPr id="24" name="CaixaDeTexto 23"/>
+          <p:cNvSpPr txBox="1"/>
+          <p:nvPr/>
+        </p:nvSpPr>
+        <p:spPr>
+          <a:xfrm>
+            <a:off x="5796136" y="5169966"/>
+            <a:ext cx="3960440" cy="923330"/>
+          </a:xfrm>
+          <a:prstGeom prst="rect">
+            <a:avLst/>
+          </a:prstGeom>
+          <a:noFill/>
+        </p:spPr>
+        <p:txBody>
+          <a:bodyPr wrap="square" rtlCol="0">
+            <a:spAutoFit/>
+          </a:bodyPr>
+          <a:lstStyle/>
+          <a:p>
+            <a:r>
+              <a:rPr lang="pt-BR" b="1" dirty="0" smtClean="0"/>
+              <a:t>Vantagens e Desvantagens!!!</a:t>
+            </a:r>
+          </a:p>
+          <a:p>
+            <a:r>
+              <a:rPr lang="pt-BR" b="1" dirty="0"/>
+              <a:t>	</a:t>
+            </a:r>
+            <a:r>
+              <a:rPr lang="pt-BR" b="1" dirty="0" smtClean="0"/>
+              <a:t>- Abstração</a:t>
+            </a:r>
+          </a:p>
+          <a:p>
+            <a:r>
+              <a:rPr lang="pt-BR" b="1" dirty="0"/>
+              <a:t>	</a:t>
+            </a:r>
+            <a:r>
+              <a:rPr lang="pt-BR" b="1" dirty="0" smtClean="0"/>
+              <a:t>- Modularidade</a:t>
+            </a:r>
+            <a:endParaRPr lang="pt-BR" b="1" dirty="0"/>
+          </a:p>
+        </p:txBody>
+      </p:sp>
     </p:spTree>
     <p:extLst>
       <p:ext uri="{BB962C8B-B14F-4D97-AF65-F5344CB8AC3E}">
@@ -5966,8 +6114,8 @@
         </p:nvSpPr>
         <p:spPr>
           <a:xfrm>
-            <a:off x="1475656" y="2167696"/>
-            <a:ext cx="7560840" cy="1169551"/>
+            <a:off x="2024742" y="2192377"/>
+            <a:ext cx="7011753" cy="1092607"/>
           </a:xfrm>
           <a:prstGeom prst="rect">
             <a:avLst/>
@@ -5981,34 +6129,17 @@
           <a:p>
             <a:pPr algn="just"/>
             <a:r>
-              <a:rPr lang="pt-BR" sz="1400" dirty="0" smtClean="0"/>
-              <a:t>A primeira linguagem de programação funcional foi criada em 1955 (IPL) e a mais popular foi criada em 1958 (LISP</a:t>
-            </a:r>
-            <a:r>
-              <a:rPr lang="pt-BR" sz="1400" dirty="0" smtClean="0"/>
-              <a:t>) (esta apenas com partes funcional). </a:t>
-            </a:r>
-            <a:r>
-              <a:rPr lang="pt-BR" sz="1400" dirty="0" smtClean="0"/>
-              <a:t>Mesmo tendo sido superadas pelas linguagens imperativas, as linguagens funcionais continuaram recebendo investimentos até os anos 90, quando as linguagens imperativas se juntaram com as linguagens orientadas à objeto</a:t>
-            </a:r>
-            <a:r>
-              <a:rPr lang="pt-BR" sz="1400" dirty="0" smtClean="0"/>
-              <a:t>. </a:t>
-            </a:r>
-            <a:r>
-              <a:rPr lang="pt-BR" sz="1400" dirty="0" smtClean="0"/>
-              <a:t>Outro exemplo importante de linguagem funcional é </a:t>
-            </a:r>
-            <a:r>
-              <a:rPr lang="pt-BR" sz="1400" dirty="0" err="1" smtClean="0"/>
+              <a:rPr lang="pt-BR" sz="1300" dirty="0" smtClean="0"/>
+              <a:t>A primeira linguagem de programação funcional foi criada em 1955 (IPL) e a mais popular foi criada em 1958 (LISP) (esta apenas com partes funcional). Mesmo tendo sido superadas pelas linguagens imperativas, as linguagens funcionais continuaram recebendo investimentos até os anos 90, quando as linguagens imperativas se juntaram com as linguagens orientadas à objeto. Outro exemplo importante de linguagem funcional é </a:t>
+            </a:r>
+            <a:r>
+              <a:rPr lang="pt-BR" sz="1300" dirty="0" err="1" smtClean="0"/>
               <a:t>Haskell</a:t>
             </a:r>
             <a:r>
-              <a:rPr lang="pt-BR" sz="1400" dirty="0"/>
+              <a:rPr lang="pt-BR" sz="1300" dirty="0"/>
               <a:t>.</a:t>
             </a:r>
-            <a:endParaRPr lang="pt-BR" sz="1400" dirty="0"/>
           </a:p>
         </p:txBody>
       </p:sp>
@@ -6467,6 +6598,120 @@
           </a:p>
         </p:txBody>
       </p:sp>
+      <p:sp>
+        <p:nvSpPr>
+          <p:cNvPr id="3" name="CaixaDeTexto 2"/>
+          <p:cNvSpPr txBox="1"/>
+          <p:nvPr/>
+        </p:nvSpPr>
+        <p:spPr>
+          <a:xfrm>
+            <a:off x="1187624" y="3923764"/>
+            <a:ext cx="4752528" cy="369332"/>
+          </a:xfrm>
+          <a:prstGeom prst="rect">
+            <a:avLst/>
+          </a:prstGeom>
+          <a:noFill/>
+        </p:spPr>
+        <p:txBody>
+          <a:bodyPr wrap="square" rtlCol="0">
+            <a:spAutoFit/>
+          </a:bodyPr>
+          <a:lstStyle/>
+          <a:p>
+            <a:r>
+              <a:rPr lang="pt-BR" dirty="0" err="1" smtClean="0"/>
+              <a:t>Erlang</a:t>
+            </a:r>
+            <a:r>
+              <a:rPr lang="pt-BR" dirty="0" smtClean="0"/>
+              <a:t>: </a:t>
+            </a:r>
+            <a:r>
+              <a:rPr lang="pt-BR" dirty="0" err="1" smtClean="0"/>
+              <a:t>Facebook</a:t>
+            </a:r>
+            <a:r>
+              <a:rPr lang="pt-BR" dirty="0" smtClean="0"/>
+              <a:t> &amp; </a:t>
+            </a:r>
+            <a:r>
+              <a:rPr lang="pt-BR" dirty="0" err="1" smtClean="0"/>
+              <a:t>Whatsapp</a:t>
+            </a:r>
+            <a:endParaRPr lang="pt-BR" dirty="0"/>
+          </a:p>
+        </p:txBody>
+      </p:sp>
+      <p:sp>
+        <p:nvSpPr>
+          <p:cNvPr id="6" name="CaixaDeTexto 5"/>
+          <p:cNvSpPr txBox="1"/>
+          <p:nvPr/>
+        </p:nvSpPr>
+        <p:spPr>
+          <a:xfrm>
+            <a:off x="-71" y="2155371"/>
+            <a:ext cx="3384376" cy="369332"/>
+          </a:xfrm>
+          <a:prstGeom prst="rect">
+            <a:avLst/>
+          </a:prstGeom>
+          <a:noFill/>
+        </p:spPr>
+        <p:txBody>
+          <a:bodyPr wrap="square" rtlCol="0">
+            <a:spAutoFit/>
+          </a:bodyPr>
+          <a:lstStyle/>
+          <a:p>
+            <a:r>
+              <a:rPr lang="pt-BR" b="1" dirty="0" smtClean="0"/>
+              <a:t>Cálculo-Lambda</a:t>
+            </a:r>
+            <a:endParaRPr lang="pt-BR" b="1" dirty="0"/>
+          </a:p>
+        </p:txBody>
+      </p:sp>
+      <p:cxnSp>
+        <p:nvCxnSpPr>
+          <p:cNvPr id="9" name="Conector angulado 8"/>
+          <p:cNvCxnSpPr/>
+          <p:nvPr/>
+        </p:nvCxnSpPr>
+        <p:spPr>
+          <a:xfrm>
+            <a:off x="133792" y="2524703"/>
+            <a:ext cx="1901837" cy="544257"/>
+          </a:xfrm>
+          <a:prstGeom prst="bentConnector3">
+            <a:avLst>
+              <a:gd name="adj1" fmla="val 85741"/>
+            </a:avLst>
+          </a:prstGeom>
+          <a:ln w="38100">
+            <a:solidFill>
+              <a:schemeClr val="tx1"/>
+            </a:solidFill>
+            <a:tailEnd type="arrow"/>
+          </a:ln>
+        </p:spPr>
+        <p:style>
+          <a:lnRef idx="1">
+            <a:schemeClr val="accent1"/>
+          </a:lnRef>
+          <a:fillRef idx="0">
+            <a:schemeClr val="accent1"/>
+          </a:fillRef>
+          <a:effectRef idx="0">
+            <a:schemeClr val="accent1"/>
+          </a:effectRef>
+          <a:fontRef idx="minor">
+            <a:schemeClr val="tx1"/>
+          </a:fontRef>
+        </p:style>
+      </p:cxnSp>
     </p:spTree>
     <p:extLst>
       <p:ext uri="{BB962C8B-B14F-4D97-AF65-F5344CB8AC3E}">

--- a/20150319_ppt.pptx
+++ b/20150319_ppt.pptx
@@ -8,7 +8,8 @@
     <p:sldId id="256" r:id="rId2"/>
     <p:sldId id="257" r:id="rId3"/>
     <p:sldId id="258" r:id="rId4"/>
-    <p:sldId id="259" r:id="rId5"/>
+    <p:sldId id="260" r:id="rId5"/>
+    <p:sldId id="259" r:id="rId6"/>
   </p:sldIdLst>
   <p:sldSz cx="9144000" cy="6858000" type="screen4x3"/>
   <p:notesSz cx="6858000" cy="9144000"/>
@@ -5840,7 +5841,7 @@
         </p:nvSpPr>
         <p:spPr>
           <a:xfrm rot="5400000">
-            <a:off x="8426155" y="2709803"/>
+            <a:off x="8426155" y="2599181"/>
             <a:ext cx="1266401" cy="45720"/>
           </a:xfrm>
           <a:prstGeom prst="round2DiagRect">
@@ -5893,8 +5894,8 @@
         </p:nvSpPr>
         <p:spPr>
           <a:xfrm rot="5400000">
-            <a:off x="-909777" y="1043567"/>
-            <a:ext cx="2132857" cy="45719"/>
+            <a:off x="-845820" y="979610"/>
+            <a:ext cx="2004942" cy="45719"/>
           </a:xfrm>
           <a:prstGeom prst="round2DiagRect">
             <a:avLst/>
@@ -5946,7 +5947,7 @@
         </p:nvSpPr>
         <p:spPr>
           <a:xfrm>
-            <a:off x="-283029" y="2099463"/>
+            <a:off x="-283029" y="2004940"/>
             <a:ext cx="9470571" cy="55908"/>
           </a:xfrm>
           <a:prstGeom prst="round2DiagRect">
@@ -5986,7 +5987,7 @@
         </p:nvSpPr>
         <p:spPr>
           <a:xfrm rot="5400000">
-            <a:off x="-240716" y="4088895"/>
+            <a:off x="-240716" y="3994372"/>
             <a:ext cx="1514815" cy="45719"/>
           </a:xfrm>
           <a:prstGeom prst="round2DiagRect">
@@ -6039,7 +6040,7 @@
         </p:nvSpPr>
         <p:spPr>
           <a:xfrm>
-            <a:off x="-272143" y="3320144"/>
+            <a:off x="-272143" y="3225621"/>
             <a:ext cx="9524663" cy="45719"/>
           </a:xfrm>
           <a:prstGeom prst="round2DiagRect">
@@ -6114,7 +6115,7 @@
         </p:nvSpPr>
         <p:spPr>
           <a:xfrm>
-            <a:off x="2024742" y="2192377"/>
+            <a:off x="2024742" y="2097854"/>
             <a:ext cx="7011753" cy="1092607"/>
           </a:xfrm>
           <a:prstGeom prst="rect">
@@ -6151,7 +6152,7 @@
         </p:nvSpPr>
         <p:spPr>
           <a:xfrm>
-            <a:off x="539552" y="3356992"/>
+            <a:off x="539552" y="3262469"/>
             <a:ext cx="8424935" cy="1477328"/>
           </a:xfrm>
           <a:prstGeom prst="rect">
@@ -6322,7 +6323,7 @@
         </p:nvSpPr>
         <p:spPr>
           <a:xfrm rot="5400000">
-            <a:off x="7869900" y="5557989"/>
+            <a:off x="7869900" y="5459692"/>
             <a:ext cx="1514815" cy="45719"/>
           </a:xfrm>
           <a:prstGeom prst="round2DiagRect">
@@ -6475,7 +6476,7 @@
         </p:nvSpPr>
         <p:spPr>
           <a:xfrm>
-            <a:off x="-344151" y="4823441"/>
+            <a:off x="-344151" y="4728918"/>
             <a:ext cx="9524663" cy="45719"/>
           </a:xfrm>
           <a:prstGeom prst="round2DiagRect">
@@ -6606,7 +6607,7 @@
         </p:nvSpPr>
         <p:spPr>
           <a:xfrm>
-            <a:off x="1187624" y="3923764"/>
+            <a:off x="1187624" y="3861048"/>
             <a:ext cx="4752528" cy="369332"/>
           </a:xfrm>
           <a:prstGeom prst="rect">
@@ -6652,7 +6653,7 @@
         </p:nvSpPr>
         <p:spPr>
           <a:xfrm>
-            <a:off x="-71" y="2155371"/>
+            <a:off x="-71" y="2060848"/>
             <a:ext cx="3384376" cy="369332"/>
           </a:xfrm>
           <a:prstGeom prst="rect">
@@ -6682,7 +6683,7 @@
         </p:nvCxnSpPr>
         <p:spPr>
           <a:xfrm>
-            <a:off x="133792" y="2524703"/>
+            <a:off x="133792" y="2430180"/>
             <a:ext cx="1901837" cy="544257"/>
           </a:xfrm>
           <a:prstGeom prst="bentConnector3">
@@ -6712,6 +6713,36 @@
           </a:fontRef>
         </p:style>
       </p:cxnSp>
+      <p:sp>
+        <p:nvSpPr>
+          <p:cNvPr id="8" name="CaixaDeTexto 7"/>
+          <p:cNvSpPr txBox="1"/>
+          <p:nvPr/>
+        </p:nvSpPr>
+        <p:spPr>
+          <a:xfrm>
+            <a:off x="5004048" y="4725144"/>
+            <a:ext cx="3816424" cy="369332"/>
+          </a:xfrm>
+          <a:prstGeom prst="rect">
+            <a:avLst/>
+          </a:prstGeom>
+          <a:noFill/>
+        </p:spPr>
+        <p:txBody>
+          <a:bodyPr wrap="square" rtlCol="0">
+            <a:spAutoFit/>
+          </a:bodyPr>
+          <a:lstStyle/>
+          <a:p>
+            <a:r>
+              <a:rPr lang="pt-BR" b="1" dirty="0" smtClean="0"/>
+              <a:t>Também vale-se mencionar o R</a:t>
+            </a:r>
+            <a:endParaRPr lang="pt-BR" b="1" dirty="0"/>
+          </a:p>
+        </p:txBody>
+      </p:sp>
     </p:spTree>
     <p:extLst>
       <p:ext uri="{BB962C8B-B14F-4D97-AF65-F5344CB8AC3E}">
@@ -6751,87 +6782,12 @@
       </p:grpSpPr>
       <p:sp>
         <p:nvSpPr>
-          <p:cNvPr id="3" name="Subtítulo 2"/>
-          <p:cNvSpPr>
-            <a:spLocks noGrp="1"/>
-          </p:cNvSpPr>
-          <p:nvPr>
-            <p:ph type="subTitle" idx="1"/>
-          </p:nvPr>
-        </p:nvSpPr>
-        <p:spPr>
-          <a:xfrm rot="19140000">
-            <a:off x="1132630" y="2257900"/>
-            <a:ext cx="7160541" cy="329259"/>
-          </a:xfrm>
-        </p:spPr>
-        <p:txBody>
-          <a:bodyPr>
-            <a:normAutofit/>
-          </a:bodyPr>
-          <a:lstStyle/>
-          <a:p>
-            <a:r>
-              <a:rPr lang="pt-BR" dirty="0" smtClean="0"/>
-              <a:t>Por favor, não.</a:t>
-            </a:r>
-            <a:endParaRPr lang="pt-BR" dirty="0"/>
-          </a:p>
-        </p:txBody>
-      </p:sp>
-      <p:pic>
-        <p:nvPicPr>
-          <p:cNvPr id="2056" name="Picture 8" descr="C:\Users\lsa2\AppData\Local\Microsoft\Windows\Temporary Internet Files\Content.IE5\F6VI2S3P\ideia-12-pato-donald-ideia-lampada[1].jpg"/>
-          <p:cNvPicPr>
-            <a:picLocks noChangeAspect="1" noChangeArrowheads="1"/>
-          </p:cNvPicPr>
-          <p:nvPr/>
-        </p:nvPicPr>
-        <p:blipFill>
-          <a:blip r:embed="rId2">
-            <a:extLst>
-              <a:ext uri="{28A0092B-C50C-407E-A947-70E740481C1C}">
-                <a14:useLocalDpi xmlns:a14="http://schemas.microsoft.com/office/drawing/2010/main" val="0"/>
-              </a:ext>
-            </a:extLst>
-          </a:blip>
-          <a:srcRect/>
-          <a:stretch>
-            <a:fillRect/>
-          </a:stretch>
-        </p:blipFill>
-        <p:spPr bwMode="auto">
-          <a:xfrm>
-            <a:off x="5164731" y="3647961"/>
-            <a:ext cx="3094484" cy="2287491"/>
-          </a:xfrm>
-          <a:prstGeom prst="roundRect">
-            <a:avLst>
-              <a:gd name="adj" fmla="val 8594"/>
-            </a:avLst>
-          </a:prstGeom>
-          <a:solidFill>
-            <a:srgbClr val="FFFFFF">
-              <a:shade val="85000"/>
-            </a:srgbClr>
-          </a:solidFill>
-          <a:ln>
-            <a:noFill/>
-          </a:ln>
-          <a:effectLst>
-            <a:reflection blurRad="12700" stA="38000" endPos="28000" dist="5000" dir="5400000" sy="-100000" algn="bl" rotWithShape="0"/>
-          </a:effectLst>
-          <a:extLst/>
-        </p:spPr>
-      </p:pic>
-      <p:sp>
-        <p:nvSpPr>
           <p:cNvPr id="2" name="Título 1"/>
           <p:cNvSpPr>
             <a:spLocks noGrp="1"/>
           </p:cNvSpPr>
           <p:nvPr>
-            <p:ph type="ctrTitle"/>
+            <p:ph type="title"/>
           </p:nvPr>
         </p:nvSpPr>
         <p:spPr/>
@@ -6840,38 +6796,117 @@
           <a:lstStyle/>
           <a:p>
             <a:r>
-              <a:rPr lang="pt-BR" sz="8000" dirty="0" smtClean="0"/>
-              <a:t>DÚVIDAS?</a:t>
-            </a:r>
-            <a:endParaRPr lang="pt-BR" sz="8000" dirty="0"/>
-          </a:p>
-        </p:txBody>
-      </p:sp>
-      <p:pic>
-        <p:nvPicPr>
-          <p:cNvPr id="2075" name="Picture 27" descr="C:\Users\lsa2\AppData\Local\Microsoft\Windows\Temporary Internet Files\Content.IE5\F6VI2S3P\TrollFaceDancing[1].gif"/>
-          <p:cNvPicPr>
-            <a:picLocks noChangeAspect="1" noChangeArrowheads="1" noCrop="1"/>
-          </p:cNvPicPr>
+              <a:rPr lang="pt-BR" dirty="0" err="1" smtClean="0"/>
+              <a:t>FoNTES</a:t>
+            </a:r>
+            <a:endParaRPr lang="pt-BR" dirty="0"/>
+          </a:p>
+        </p:txBody>
+      </p:sp>
+      <p:sp>
+        <p:nvSpPr>
+          <p:cNvPr id="3" name="Espaço Reservado para Conteúdo 2"/>
+          <p:cNvSpPr>
+            <a:spLocks noGrp="1"/>
+          </p:cNvSpPr>
+          <p:nvPr>
+            <p:ph idx="1"/>
+          </p:nvPr>
+        </p:nvSpPr>
+        <p:spPr/>
+        <p:txBody>
+          <a:bodyPr>
+            <a:normAutofit/>
+          </a:bodyPr>
+          <a:lstStyle/>
+          <a:p>
+            <a:pPr fontAlgn="ctr"/>
+            <a:r>
+              <a:rPr lang="pt-BR" b="0" dirty="0">
+                <a:hlinkClick r:id="rId2"/>
+              </a:rPr>
+              <a:t>http://</a:t>
+            </a:r>
+            <a:r>
+              <a:rPr lang="pt-BR" b="0" dirty="0" smtClean="0">
+                <a:hlinkClick r:id="rId2"/>
+              </a:rPr>
+              <a:t>pt.wikipedia.org/wiki/Programa%C3%A7%C3%A3o_funcional</a:t>
+            </a:r>
+            <a:endParaRPr lang="pt-BR" b="0" dirty="0" smtClean="0"/>
+          </a:p>
+          <a:p>
+            <a:pPr fontAlgn="ctr"/>
+            <a:r>
+              <a:rPr lang="pt-BR" b="0" dirty="0">
+                <a:hlinkClick r:id="rId3"/>
+              </a:rPr>
+              <a:t>http://</a:t>
+            </a:r>
+            <a:r>
+              <a:rPr lang="pt-BR" b="0" dirty="0" smtClean="0">
+                <a:hlinkClick r:id="rId3"/>
+              </a:rPr>
+              <a:t>pt.wikipedia.org/wiki/Paradigma_de_programa%C3%A7%C3%A3o</a:t>
+            </a:r>
+            <a:endParaRPr lang="pt-BR" b="0" dirty="0" smtClean="0"/>
+          </a:p>
+          <a:p>
+            <a:pPr fontAlgn="ctr"/>
+            <a:endParaRPr lang="pt-BR" b="0" dirty="0"/>
+          </a:p>
+          <a:p>
+            <a:pPr fontAlgn="ctr"/>
+            <a:r>
+              <a:rPr lang="pt-BR" b="0" dirty="0"/>
+              <a:t>www2.dc.ufscar.br/~</a:t>
+            </a:r>
+            <a:r>
+              <a:rPr lang="pt-BR" b="0" dirty="0" smtClean="0"/>
+              <a:t>renato_violin/arquivos/ParPro-Func.pptx</a:t>
+            </a:r>
+          </a:p>
+          <a:p>
+            <a:pPr fontAlgn="ctr"/>
+            <a:endParaRPr lang="pt-BR" b="0" dirty="0"/>
+          </a:p>
+          <a:p>
+            <a:pPr fontAlgn="ctr"/>
+            <a:r>
+              <a:rPr lang="pt-BR" b="0" dirty="0">
+                <a:hlinkClick r:id="rId4"/>
+              </a:rPr>
+              <a:t>https://www.inf.pucrs.br/~</a:t>
+            </a:r>
+            <a:r>
+              <a:rPr lang="pt-BR" b="0" dirty="0" smtClean="0">
+                <a:hlinkClick r:id="rId4"/>
+              </a:rPr>
+              <a:t>gustavo/disciplinas/pli/material/paradigmas-aula15.pdf</a:t>
+            </a:r>
+            <a:r>
+              <a:rPr lang="pt-BR" b="0" dirty="0"/>
+              <a:t/>
+            </a:r>
+            <a:br>
+              <a:rPr lang="pt-BR" b="0" dirty="0"/>
+            </a:br>
+            <a:endParaRPr lang="pt-BR" dirty="0"/>
+          </a:p>
+        </p:txBody>
+      </p:sp>
+      <p:sp>
+        <p:nvSpPr>
+          <p:cNvPr id="4" name="AutoShape 2" descr="Resultado de imagem para fonte"/>
+          <p:cNvSpPr>
+            <a:spLocks noChangeAspect="1" noChangeArrowheads="1"/>
+          </p:cNvSpPr>
           <p:nvPr/>
-        </p:nvPicPr>
-        <p:blipFill>
-          <a:blip r:embed="rId3" cstate="print">
-            <a:extLst>
-              <a:ext uri="{28A0092B-C50C-407E-A947-70E740481C1C}">
-                <a14:useLocalDpi xmlns:a14="http://schemas.microsoft.com/office/drawing/2010/main" val="0"/>
-              </a:ext>
-            </a:extLst>
-          </a:blip>
-          <a:srcRect/>
-          <a:stretch>
-            <a:fillRect/>
-          </a:stretch>
-        </p:blipFill>
+        </p:nvSpPr>
         <p:spPr bwMode="auto">
-          <a:xfrm rot="20399695">
-            <a:off x="1092798" y="2981906"/>
-            <a:ext cx="860280" cy="860280"/>
+          <a:xfrm>
+            <a:off x="155575" y="-144463"/>
+            <a:ext cx="304800" cy="304801"/>
           </a:xfrm>
           <a:prstGeom prst="rect">
             <a:avLst/>
@@ -6887,7 +6922,140 @@
             </a:ext>
           </a:extLst>
         </p:spPr>
-      </p:pic>
+        <p:txBody>
+          <a:bodyPr vert="horz" wrap="square" lIns="91440" tIns="45720" rIns="91440" bIns="45720" numCol="1" anchor="t" anchorCtr="0" compatLnSpc="1">
+            <a:prstTxWarp prst="textNoShape">
+              <a:avLst/>
+            </a:prstTxWarp>
+          </a:bodyPr>
+          <a:lstStyle/>
+          <a:p>
+            <a:endParaRPr lang="pt-BR"/>
+          </a:p>
+        </p:txBody>
+      </p:sp>
+      <p:sp>
+        <p:nvSpPr>
+          <p:cNvPr id="5" name="AutoShape 4" descr="Resultado de imagem para fonte de letras"/>
+          <p:cNvSpPr>
+            <a:spLocks noChangeAspect="1" noChangeArrowheads="1"/>
+          </p:cNvSpPr>
+          <p:nvPr/>
+        </p:nvSpPr>
+        <p:spPr bwMode="auto">
+          <a:xfrm>
+            <a:off x="307975" y="7937"/>
+            <a:ext cx="304800" cy="304801"/>
+          </a:xfrm>
+          <a:prstGeom prst="rect">
+            <a:avLst/>
+          </a:prstGeom>
+          <a:noFill/>
+          <a:extLst>
+            <a:ext uri="{909E8E84-426E-40DD-AFC4-6F175D3DCCD1}">
+              <a14:hiddenFill xmlns:a14="http://schemas.microsoft.com/office/drawing/2010/main">
+                <a:solidFill>
+                  <a:srgbClr val="FFFFFF"/>
+                </a:solidFill>
+              </a14:hiddenFill>
+            </a:ext>
+          </a:extLst>
+        </p:spPr>
+        <p:txBody>
+          <a:bodyPr vert="horz" wrap="square" lIns="91440" tIns="45720" rIns="91440" bIns="45720" numCol="1" anchor="t" anchorCtr="0" compatLnSpc="1">
+            <a:prstTxWarp prst="textNoShape">
+              <a:avLst/>
+            </a:prstTxWarp>
+          </a:bodyPr>
+          <a:lstStyle/>
+          <a:p>
+            <a:endParaRPr lang="pt-BR"/>
+          </a:p>
+        </p:txBody>
+      </p:sp>
+    </p:spTree>
+    <p:extLst>
+      <p:ext uri="{BB962C8B-B14F-4D97-AF65-F5344CB8AC3E}">
+        <p14:creationId xmlns:p14="http://schemas.microsoft.com/office/powerpoint/2010/main" val="2137923019"/>
+      </p:ext>
+    </p:extLst>
+  </p:cSld>
+  <p:clrMapOvr>
+    <a:masterClrMapping/>
+  </p:clrMapOvr>
+</p:sld>
+</file>
+
+<file path=ppt/slides/slide5.xml><?xml version="1.0" encoding="utf-8"?>
+<p:sld xmlns:a="http://schemas.openxmlformats.org/drawingml/2006/main" xmlns:r="http://schemas.openxmlformats.org/officeDocument/2006/relationships" xmlns:p="http://schemas.openxmlformats.org/presentationml/2006/main">
+  <p:cSld>
+    <p:spTree>
+      <p:nvGrpSpPr>
+        <p:cNvPr id="1" name=""/>
+        <p:cNvGrpSpPr/>
+        <p:nvPr/>
+      </p:nvGrpSpPr>
+      <p:grpSpPr>
+        <a:xfrm>
+          <a:off x="0" y="0"/>
+          <a:ext cx="0" cy="0"/>
+          <a:chOff x="0" y="0"/>
+          <a:chExt cx="0" cy="0"/>
+        </a:xfrm>
+      </p:grpSpPr>
+      <p:sp>
+        <p:nvSpPr>
+          <p:cNvPr id="3" name="Subtítulo 2"/>
+          <p:cNvSpPr>
+            <a:spLocks noGrp="1"/>
+          </p:cNvSpPr>
+          <p:nvPr>
+            <p:ph type="subTitle" idx="1"/>
+          </p:nvPr>
+        </p:nvSpPr>
+        <p:spPr>
+          <a:xfrm rot="19140000">
+            <a:off x="1132630" y="2257900"/>
+            <a:ext cx="7160541" cy="329259"/>
+          </a:xfrm>
+        </p:spPr>
+        <p:txBody>
+          <a:bodyPr>
+            <a:normAutofit/>
+          </a:bodyPr>
+          <a:lstStyle/>
+          <a:p>
+            <a:r>
+              <a:rPr lang="pt-BR" dirty="0" smtClean="0"/>
+              <a:t>À VONTADE</a:t>
+            </a:r>
+            <a:endParaRPr lang="pt-BR" dirty="0"/>
+          </a:p>
+        </p:txBody>
+      </p:sp>
+      <p:sp>
+        <p:nvSpPr>
+          <p:cNvPr id="2" name="Título 1"/>
+          <p:cNvSpPr>
+            <a:spLocks noGrp="1"/>
+          </p:cNvSpPr>
+          <p:nvPr>
+            <p:ph type="ctrTitle"/>
+          </p:nvPr>
+        </p:nvSpPr>
+        <p:spPr/>
+        <p:txBody>
+          <a:bodyPr/>
+          <a:lstStyle/>
+          <a:p>
+            <a:r>
+              <a:rPr lang="pt-BR" sz="8000" dirty="0" smtClean="0"/>
+              <a:t>DÚVIDAS?</a:t>
+            </a:r>
+            <a:endParaRPr lang="pt-BR" sz="8000" dirty="0"/>
+          </a:p>
+        </p:txBody>
+      </p:sp>
       <p:sp>
         <p:nvSpPr>
           <p:cNvPr id="32" name="Subtítulo 2"/>
